--- a/lectures/Lesson-4.pptx
+++ b/lectures/Lesson-4.pptx
@@ -371,7 +371,7 @@
           <a:p>
             <a:fld id="{0BAD5166-F687-F54C-8745-DEE439776C39}" type="datetimeFigureOut">
               <a:rPr lang="en-US" smtClean="0"/>
-              <a:t>10/15/2015</a:t>
+              <a:t>10/21/2015</a:t>
             </a:fld>
             <a:endParaRPr lang="en-US"/>
           </a:p>
@@ -462,7 +462,7 @@
           <a:p>
             <a:fld id="{0BAD5166-F687-F54C-8745-DEE439776C39}" type="datetimeFigureOut">
               <a:rPr lang="en-US" smtClean="0"/>
-              <a:t>10/15/2015</a:t>
+              <a:t>10/21/2015</a:t>
             </a:fld>
             <a:endParaRPr lang="en-US"/>
           </a:p>
@@ -765,7 +765,7 @@
           <a:p>
             <a:fld id="{0BAD5166-F687-F54C-8745-DEE439776C39}" type="datetimeFigureOut">
               <a:rPr lang="en-US" smtClean="0"/>
-              <a:t>10/15/2015</a:t>
+              <a:t>10/21/2015</a:t>
             </a:fld>
             <a:endParaRPr lang="en-US"/>
           </a:p>
@@ -987,7 +987,7 @@
           <a:p>
             <a:fld id="{0BAD5166-F687-F54C-8745-DEE439776C39}" type="datetimeFigureOut">
               <a:rPr lang="en-US" smtClean="0"/>
-              <a:t>10/15/2015</a:t>
+              <a:t>10/21/2015</a:t>
             </a:fld>
             <a:endParaRPr lang="en-US"/>
           </a:p>
@@ -1375,7 +1375,7 @@
           <a:p>
             <a:fld id="{0BAD5166-F687-F54C-8745-DEE439776C39}" type="datetimeFigureOut">
               <a:rPr lang="en-US" smtClean="0"/>
-              <a:t>10/15/2015</a:t>
+              <a:t>10/21/2015</a:t>
             </a:fld>
             <a:endParaRPr lang="en-US"/>
           </a:p>
@@ -1683,7 +1683,7 @@
           <a:p>
             <a:fld id="{0BAD5166-F687-F54C-8745-DEE439776C39}" type="datetimeFigureOut">
               <a:rPr lang="en-US" smtClean="0"/>
-              <a:t>10/15/2015</a:t>
+              <a:t>10/21/2015</a:t>
             </a:fld>
             <a:endParaRPr lang="en-US"/>
           </a:p>
@@ -1881,7 +1881,7 @@
           <a:p>
             <a:fld id="{0BAD5166-F687-F54C-8745-DEE439776C39}" type="datetimeFigureOut">
               <a:rPr lang="en-US" smtClean="0"/>
-              <a:t>10/15/2015</a:t>
+              <a:t>10/21/2015</a:t>
             </a:fld>
             <a:endParaRPr lang="en-US"/>
           </a:p>
@@ -2084,7 +2084,7 @@
           <a:p>
             <a:fld id="{0BAD5166-F687-F54C-8745-DEE439776C39}" type="datetimeFigureOut">
               <a:rPr lang="en-US" smtClean="0"/>
-              <a:t>10/15/2015</a:t>
+              <a:t>10/21/2015</a:t>
             </a:fld>
             <a:endParaRPr lang="en-US"/>
           </a:p>
@@ -2277,7 +2277,7 @@
           <a:p>
             <a:fld id="{0BAD5166-F687-F54C-8745-DEE439776C39}" type="datetimeFigureOut">
               <a:rPr lang="en-US" smtClean="0"/>
-              <a:t>10/15/2015</a:t>
+              <a:t>10/21/2015</a:t>
             </a:fld>
             <a:endParaRPr lang="en-US"/>
           </a:p>
@@ -2549,7 +2549,7 @@
           <a:p>
             <a:fld id="{0BAD5166-F687-F54C-8745-DEE439776C39}" type="datetimeFigureOut">
               <a:rPr lang="en-US" smtClean="0"/>
-              <a:t>10/15/2015</a:t>
+              <a:t>10/21/2015</a:t>
             </a:fld>
             <a:endParaRPr lang="en-US"/>
           </a:p>
@@ -2860,7 +2860,7 @@
           <a:p>
             <a:fld id="{0BAD5166-F687-F54C-8745-DEE439776C39}" type="datetimeFigureOut">
               <a:rPr lang="en-US" smtClean="0"/>
-              <a:t>10/15/2015</a:t>
+              <a:t>10/21/2015</a:t>
             </a:fld>
             <a:endParaRPr lang="en-US"/>
           </a:p>
@@ -3326,7 +3326,7 @@
           <a:p>
             <a:fld id="{0BAD5166-F687-F54C-8745-DEE439776C39}" type="datetimeFigureOut">
               <a:rPr lang="en-US" smtClean="0"/>
-              <a:t>10/15/2015</a:t>
+              <a:t>10/21/2015</a:t>
             </a:fld>
             <a:endParaRPr lang="en-US"/>
           </a:p>
@@ -3690,7 +3690,7 @@
           <a:p>
             <a:fld id="{0BAD5166-F687-F54C-8745-DEE439776C39}" type="datetimeFigureOut">
               <a:rPr lang="en-US" smtClean="0"/>
-              <a:t>10/15/2015</a:t>
+              <a:t>10/21/2015</a:t>
             </a:fld>
             <a:endParaRPr lang="en-US"/>
           </a:p>
@@ -4001,7 +4001,7 @@
           <a:p>
             <a:fld id="{0BAD5166-F687-F54C-8745-DEE439776C39}" type="datetimeFigureOut">
               <a:rPr lang="en-US" smtClean="0"/>
-              <a:t>10/15/2015</a:t>
+              <a:t>10/21/2015</a:t>
             </a:fld>
             <a:endParaRPr lang="en-US"/>
           </a:p>
@@ -4312,7 +4312,7 @@
           <a:p>
             <a:fld id="{0BAD5166-F687-F54C-8745-DEE439776C39}" type="datetimeFigureOut">
               <a:rPr lang="en-US" smtClean="0"/>
-              <a:t>10/15/2015</a:t>
+              <a:t>10/21/2015</a:t>
             </a:fld>
             <a:endParaRPr lang="en-US"/>
           </a:p>
@@ -4797,7 +4797,7 @@
           <a:p>
             <a:fld id="{0BAD5166-F687-F54C-8745-DEE439776C39}" type="datetimeFigureOut">
               <a:rPr lang="en-US" smtClean="0"/>
-              <a:t>10/15/2015</a:t>
+              <a:t>10/21/2015</a:t>
             </a:fld>
             <a:endParaRPr lang="en-US"/>
           </a:p>
@@ -5060,7 +5060,7 @@
           <a:p>
             <a:fld id="{0BAD5166-F687-F54C-8745-DEE439776C39}" type="datetimeFigureOut">
               <a:rPr lang="en-US" smtClean="0"/>
-              <a:t>10/15/2015</a:t>
+              <a:t>10/21/2015</a:t>
             </a:fld>
             <a:endParaRPr lang="en-US"/>
           </a:p>
@@ -5935,11 +5935,7 @@
           <a:p>
             <a:r>
               <a:rPr lang="en-US" dirty="0" smtClean="0"/>
-              <a:t>Talk </a:t>
-            </a:r>
-            <a:r>
-              <a:rPr lang="en-US" dirty="0" smtClean="0"/>
-              <a:t>about Great Depression and Great Recession</a:t>
+              <a:t>Talk about Great Depression and Great Recession</a:t>
             </a:r>
             <a:endParaRPr lang="en-US" dirty="0"/>
           </a:p>
@@ -6038,28 +6034,12 @@
               <a:t>Website: </a:t>
             </a:r>
             <a:r>
-              <a:rPr lang="en-US" dirty="0" smtClean="0">
+              <a:rPr lang="en-US" smtClean="0">
                 <a:hlinkClick r:id="rId3"/>
               </a:rPr>
               <a:t>edunomics.club</a:t>
             </a:r>
             <a:endParaRPr lang="en-US" dirty="0" smtClean="0"/>
-          </a:p>
-          <a:p>
-            <a:r>
-              <a:rPr lang="en-US" dirty="0" smtClean="0"/>
-              <a:t>Email list: </a:t>
-            </a:r>
-            <a:r>
-              <a:rPr lang="en-US" dirty="0" smtClean="0">
-                <a:hlinkClick r:id="rId4"/>
-              </a:rPr>
-              <a:t>http://bit.ly/1FxWCnS</a:t>
-            </a:r>
-            <a:endParaRPr lang="en-US" dirty="0" smtClean="0"/>
-          </a:p>
-          <a:p>
-            <a:endParaRPr lang="en-US" dirty="0"/>
           </a:p>
         </p:txBody>
       </p:sp>
@@ -6146,11 +6126,7 @@
           <a:p>
             <a:r>
               <a:rPr lang="en-US" dirty="0" smtClean="0"/>
-              <a:t>Talk about </a:t>
-            </a:r>
-            <a:r>
-              <a:rPr lang="en-US" dirty="0" smtClean="0"/>
-              <a:t>Money Markets</a:t>
+              <a:t>Talk about Money Markets</a:t>
             </a:r>
           </a:p>
           <a:p>
@@ -6158,7 +6134,6 @@
               <a:rPr lang="en-US" dirty="0" smtClean="0"/>
               <a:t>Mr. Bigshot</a:t>
             </a:r>
-            <a:endParaRPr lang="en-US" dirty="0" smtClean="0"/>
           </a:p>
         </p:txBody>
       </p:sp>
@@ -6241,7 +6216,6 @@
               <a:rPr lang="en-US" dirty="0" smtClean="0"/>
               <a:t>Money</a:t>
             </a:r>
-            <a:endParaRPr lang="en-US" dirty="0" smtClean="0"/>
           </a:p>
         </p:txBody>
       </p:sp>
@@ -6299,11 +6273,7 @@
           <a:p>
             <a:r>
               <a:rPr lang="en-US" dirty="0" smtClean="0"/>
-              <a:t>Review- </a:t>
-            </a:r>
-            <a:r>
-              <a:rPr lang="en-US" dirty="0" smtClean="0"/>
-              <a:t>Money</a:t>
+              <a:t>Review- Money</a:t>
             </a:r>
             <a:endParaRPr lang="en-US" dirty="0"/>
           </a:p>
@@ -6350,11 +6320,7 @@
           <a:p>
             <a:r>
               <a:rPr lang="en-US" dirty="0" smtClean="0"/>
-              <a:t>Value of American dollar </a:t>
-            </a:r>
-            <a:r>
-              <a:rPr lang="en-US" dirty="0" smtClean="0"/>
-              <a:t>decreasing</a:t>
+              <a:t>Value of American dollar decreasing</a:t>
             </a:r>
             <a:endParaRPr lang="en-US" dirty="0"/>
           </a:p>

--- a/lectures/Lesson-4.pptx
+++ b/lectures/Lesson-4.pptx
@@ -371,7 +371,7 @@
           <a:p>
             <a:fld id="{0BAD5166-F687-F54C-8745-DEE439776C39}" type="datetimeFigureOut">
               <a:rPr lang="en-US" smtClean="0"/>
-              <a:t>10/21/2015</a:t>
+              <a:t>10/22/2015</a:t>
             </a:fld>
             <a:endParaRPr lang="en-US"/>
           </a:p>
@@ -462,7 +462,7 @@
           <a:p>
             <a:fld id="{0BAD5166-F687-F54C-8745-DEE439776C39}" type="datetimeFigureOut">
               <a:rPr lang="en-US" smtClean="0"/>
-              <a:t>10/21/2015</a:t>
+              <a:t>10/22/2015</a:t>
             </a:fld>
             <a:endParaRPr lang="en-US"/>
           </a:p>
@@ -765,7 +765,7 @@
           <a:p>
             <a:fld id="{0BAD5166-F687-F54C-8745-DEE439776C39}" type="datetimeFigureOut">
               <a:rPr lang="en-US" smtClean="0"/>
-              <a:t>10/21/2015</a:t>
+              <a:t>10/22/2015</a:t>
             </a:fld>
             <a:endParaRPr lang="en-US"/>
           </a:p>
@@ -987,7 +987,7 @@
           <a:p>
             <a:fld id="{0BAD5166-F687-F54C-8745-DEE439776C39}" type="datetimeFigureOut">
               <a:rPr lang="en-US" smtClean="0"/>
-              <a:t>10/21/2015</a:t>
+              <a:t>10/22/2015</a:t>
             </a:fld>
             <a:endParaRPr lang="en-US"/>
           </a:p>
@@ -1375,7 +1375,7 @@
           <a:p>
             <a:fld id="{0BAD5166-F687-F54C-8745-DEE439776C39}" type="datetimeFigureOut">
               <a:rPr lang="en-US" smtClean="0"/>
-              <a:t>10/21/2015</a:t>
+              <a:t>10/22/2015</a:t>
             </a:fld>
             <a:endParaRPr lang="en-US"/>
           </a:p>
@@ -1683,7 +1683,7 @@
           <a:p>
             <a:fld id="{0BAD5166-F687-F54C-8745-DEE439776C39}" type="datetimeFigureOut">
               <a:rPr lang="en-US" smtClean="0"/>
-              <a:t>10/21/2015</a:t>
+              <a:t>10/22/2015</a:t>
             </a:fld>
             <a:endParaRPr lang="en-US"/>
           </a:p>
@@ -1881,7 +1881,7 @@
           <a:p>
             <a:fld id="{0BAD5166-F687-F54C-8745-DEE439776C39}" type="datetimeFigureOut">
               <a:rPr lang="en-US" smtClean="0"/>
-              <a:t>10/21/2015</a:t>
+              <a:t>10/22/2015</a:t>
             </a:fld>
             <a:endParaRPr lang="en-US"/>
           </a:p>
@@ -2084,7 +2084,7 @@
           <a:p>
             <a:fld id="{0BAD5166-F687-F54C-8745-DEE439776C39}" type="datetimeFigureOut">
               <a:rPr lang="en-US" smtClean="0"/>
-              <a:t>10/21/2015</a:t>
+              <a:t>10/22/2015</a:t>
             </a:fld>
             <a:endParaRPr lang="en-US"/>
           </a:p>
@@ -2277,7 +2277,7 @@
           <a:p>
             <a:fld id="{0BAD5166-F687-F54C-8745-DEE439776C39}" type="datetimeFigureOut">
               <a:rPr lang="en-US" smtClean="0"/>
-              <a:t>10/21/2015</a:t>
+              <a:t>10/22/2015</a:t>
             </a:fld>
             <a:endParaRPr lang="en-US"/>
           </a:p>
@@ -2549,7 +2549,7 @@
           <a:p>
             <a:fld id="{0BAD5166-F687-F54C-8745-DEE439776C39}" type="datetimeFigureOut">
               <a:rPr lang="en-US" smtClean="0"/>
-              <a:t>10/21/2015</a:t>
+              <a:t>10/22/2015</a:t>
             </a:fld>
             <a:endParaRPr lang="en-US"/>
           </a:p>
@@ -2860,7 +2860,7 @@
           <a:p>
             <a:fld id="{0BAD5166-F687-F54C-8745-DEE439776C39}" type="datetimeFigureOut">
               <a:rPr lang="en-US" smtClean="0"/>
-              <a:t>10/21/2015</a:t>
+              <a:t>10/22/2015</a:t>
             </a:fld>
             <a:endParaRPr lang="en-US"/>
           </a:p>
@@ -3326,7 +3326,7 @@
           <a:p>
             <a:fld id="{0BAD5166-F687-F54C-8745-DEE439776C39}" type="datetimeFigureOut">
               <a:rPr lang="en-US" smtClean="0"/>
-              <a:t>10/21/2015</a:t>
+              <a:t>10/22/2015</a:t>
             </a:fld>
             <a:endParaRPr lang="en-US"/>
           </a:p>
@@ -3690,7 +3690,7 @@
           <a:p>
             <a:fld id="{0BAD5166-F687-F54C-8745-DEE439776C39}" type="datetimeFigureOut">
               <a:rPr lang="en-US" smtClean="0"/>
-              <a:t>10/21/2015</a:t>
+              <a:t>10/22/2015</a:t>
             </a:fld>
             <a:endParaRPr lang="en-US"/>
           </a:p>
@@ -4001,7 +4001,7 @@
           <a:p>
             <a:fld id="{0BAD5166-F687-F54C-8745-DEE439776C39}" type="datetimeFigureOut">
               <a:rPr lang="en-US" smtClean="0"/>
-              <a:t>10/21/2015</a:t>
+              <a:t>10/22/2015</a:t>
             </a:fld>
             <a:endParaRPr lang="en-US"/>
           </a:p>
@@ -4312,7 +4312,7 @@
           <a:p>
             <a:fld id="{0BAD5166-F687-F54C-8745-DEE439776C39}" type="datetimeFigureOut">
               <a:rPr lang="en-US" smtClean="0"/>
-              <a:t>10/21/2015</a:t>
+              <a:t>10/22/2015</a:t>
             </a:fld>
             <a:endParaRPr lang="en-US"/>
           </a:p>
@@ -4797,7 +4797,7 @@
           <a:p>
             <a:fld id="{0BAD5166-F687-F54C-8745-DEE439776C39}" type="datetimeFigureOut">
               <a:rPr lang="en-US" smtClean="0"/>
-              <a:t>10/21/2015</a:t>
+              <a:t>10/22/2015</a:t>
             </a:fld>
             <a:endParaRPr lang="en-US"/>
           </a:p>
@@ -5060,7 +5060,7 @@
           <a:p>
             <a:fld id="{0BAD5166-F687-F54C-8745-DEE439776C39}" type="datetimeFigureOut">
               <a:rPr lang="en-US" smtClean="0"/>
-              <a:t>10/21/2015</a:t>
+              <a:t>10/22/2015</a:t>
             </a:fld>
             <a:endParaRPr lang="en-US"/>
           </a:p>
@@ -5935,7 +5935,15 @@
           <a:p>
             <a:r>
               <a:rPr lang="en-US" dirty="0" smtClean="0"/>
-              <a:t>Talk about Great Depression and Great Recession</a:t>
+              <a:t>Talk about </a:t>
+            </a:r>
+            <a:r>
+              <a:rPr lang="en-US" smtClean="0"/>
+              <a:t>Great </a:t>
+            </a:r>
+            <a:r>
+              <a:rPr lang="en-US" smtClean="0"/>
+              <a:t>Depression</a:t>
             </a:r>
             <a:endParaRPr lang="en-US" dirty="0"/>
           </a:p>
